--- a/scitani-v-cistech-official-template.pptx
+++ b/scitani-v-cistech-official-template.pptx
@@ -7580,15 +7580,15 @@
             </a:pPr>
             <a:r>
               <a:rPr lang="cs-CZ" dirty="0"/>
-              <a:t>Celkem 2x víc než </a:t>
-            </a:r>
-            <a:r>
-              <a:rPr lang="cs-CZ" dirty="0" err="1"/>
-              <a:t>umřeno</a:t>
+              <a:t>Celkem 2x víc </a:t>
+            </a:r>
+            <a:r>
+              <a:rPr lang="cs-CZ"/>
+              <a:t>než umřelo </a:t>
             </a:r>
             <a:r>
               <a:rPr lang="cs-CZ" dirty="0"/>
-              <a:t> dětí </a:t>
+              <a:t>dětí </a:t>
             </a:r>
             <a:r>
               <a:rPr lang="cs-CZ" dirty="0" err="1"/>
